--- a/Documents/Mortal Portal.pptx
+++ b/Documents/Mortal Portal.pptx
@@ -12,9 +12,9 @@
     <p:sldId id="260" r:id="rId6"/>
     <p:sldId id="261" r:id="rId7"/>
     <p:sldId id="263" r:id="rId8"/>
-    <p:sldId id="264" r:id="rId9"/>
-    <p:sldId id="265" r:id="rId10"/>
-    <p:sldId id="266" r:id="rId11"/>
+    <p:sldId id="266" r:id="rId9"/>
+    <p:sldId id="264" r:id="rId10"/>
+    <p:sldId id="265" r:id="rId11"/>
     <p:sldId id="262" r:id="rId12"/>
   </p:sldIdLst>
   <p:sldSz cx="12192000" cy="6858000"/>
@@ -114,6 +114,11 @@
       </a:defRPr>
     </a:lvl9pPr>
   </p:defaultTextStyle>
+  <p:extLst>
+    <p:ext uri="{EFAFB233-063F-42B5-8137-9DF3F51BA10A}">
+      <p15:sldGuideLst xmlns:p15="http://schemas.microsoft.com/office/powerpoint/2012/main"/>
+    </p:ext>
+  </p:extLst>
 </p:presentation>
 </file>
 
@@ -248,7 +253,7 @@
           <a:p>
             <a:fld id="{085931F5-8A78-4704-AEFC-6D822F1B89C0}" type="datetimeFigureOut">
               <a:rPr lang="en-US" smtClean="0"/>
-              <a:t>5/21/2015</a:t>
+              <a:t>5/22/2015</a:t>
             </a:fld>
             <a:endParaRPr lang="en-US"/>
           </a:p>
@@ -418,7 +423,7 @@
           <a:p>
             <a:fld id="{085931F5-8A78-4704-AEFC-6D822F1B89C0}" type="datetimeFigureOut">
               <a:rPr lang="en-US" smtClean="0"/>
-              <a:t>5/21/2015</a:t>
+              <a:t>5/22/2015</a:t>
             </a:fld>
             <a:endParaRPr lang="en-US"/>
           </a:p>
@@ -598,7 +603,7 @@
           <a:p>
             <a:fld id="{085931F5-8A78-4704-AEFC-6D822F1B89C0}" type="datetimeFigureOut">
               <a:rPr lang="en-US" smtClean="0"/>
-              <a:t>5/21/2015</a:t>
+              <a:t>5/22/2015</a:t>
             </a:fld>
             <a:endParaRPr lang="en-US"/>
           </a:p>
@@ -768,7 +773,7 @@
           <a:p>
             <a:fld id="{085931F5-8A78-4704-AEFC-6D822F1B89C0}" type="datetimeFigureOut">
               <a:rPr lang="en-US" smtClean="0"/>
-              <a:t>5/21/2015</a:t>
+              <a:t>5/22/2015</a:t>
             </a:fld>
             <a:endParaRPr lang="en-US"/>
           </a:p>
@@ -1014,7 +1019,7 @@
           <a:p>
             <a:fld id="{085931F5-8A78-4704-AEFC-6D822F1B89C0}" type="datetimeFigureOut">
               <a:rPr lang="en-US" smtClean="0"/>
-              <a:t>5/21/2015</a:t>
+              <a:t>5/22/2015</a:t>
             </a:fld>
             <a:endParaRPr lang="en-US"/>
           </a:p>
@@ -1246,7 +1251,7 @@
           <a:p>
             <a:fld id="{085931F5-8A78-4704-AEFC-6D822F1B89C0}" type="datetimeFigureOut">
               <a:rPr lang="en-US" smtClean="0"/>
-              <a:t>5/21/2015</a:t>
+              <a:t>5/22/2015</a:t>
             </a:fld>
             <a:endParaRPr lang="en-US"/>
           </a:p>
@@ -1613,7 +1618,7 @@
           <a:p>
             <a:fld id="{085931F5-8A78-4704-AEFC-6D822F1B89C0}" type="datetimeFigureOut">
               <a:rPr lang="en-US" smtClean="0"/>
-              <a:t>5/21/2015</a:t>
+              <a:t>5/22/2015</a:t>
             </a:fld>
             <a:endParaRPr lang="en-US"/>
           </a:p>
@@ -1731,7 +1736,7 @@
           <a:p>
             <a:fld id="{085931F5-8A78-4704-AEFC-6D822F1B89C0}" type="datetimeFigureOut">
               <a:rPr lang="en-US" smtClean="0"/>
-              <a:t>5/21/2015</a:t>
+              <a:t>5/22/2015</a:t>
             </a:fld>
             <a:endParaRPr lang="en-US"/>
           </a:p>
@@ -1826,7 +1831,7 @@
           <a:p>
             <a:fld id="{085931F5-8A78-4704-AEFC-6D822F1B89C0}" type="datetimeFigureOut">
               <a:rPr lang="en-US" smtClean="0"/>
-              <a:t>5/21/2015</a:t>
+              <a:t>5/22/2015</a:t>
             </a:fld>
             <a:endParaRPr lang="en-US"/>
           </a:p>
@@ -2103,7 +2108,7 @@
           <a:p>
             <a:fld id="{085931F5-8A78-4704-AEFC-6D822F1B89C0}" type="datetimeFigureOut">
               <a:rPr lang="en-US" smtClean="0"/>
-              <a:t>5/21/2015</a:t>
+              <a:t>5/22/2015</a:t>
             </a:fld>
             <a:endParaRPr lang="en-US"/>
           </a:p>
@@ -2356,7 +2361,7 @@
           <a:p>
             <a:fld id="{085931F5-8A78-4704-AEFC-6D822F1B89C0}" type="datetimeFigureOut">
               <a:rPr lang="en-US" smtClean="0"/>
-              <a:t>5/21/2015</a:t>
+              <a:t>5/22/2015</a:t>
             </a:fld>
             <a:endParaRPr lang="en-US"/>
           </a:p>
@@ -2569,7 +2574,7 @@
           <a:p>
             <a:fld id="{085931F5-8A78-4704-AEFC-6D822F1B89C0}" type="datetimeFigureOut">
               <a:rPr lang="en-US" smtClean="0"/>
-              <a:t>5/21/2015</a:t>
+              <a:t>5/22/2015</a:t>
             </a:fld>
             <a:endParaRPr lang="en-US"/>
           </a:p>
@@ -3009,26 +3014,98 @@
         </p:nvSpPr>
         <p:spPr/>
         <p:txBody>
-          <a:bodyPr/>
-          <a:lstStyle/>
-          <a:p>
-            <a:r>
-              <a:rPr lang="en-US" dirty="0" err="1" smtClean="0"/>
-              <a:t>Kurs</a:t>
+          <a:bodyPr>
+            <a:normAutofit lnSpcReduction="10000"/>
+          </a:bodyPr>
+          <a:lstStyle/>
+          <a:p>
+            <a:r>
+              <a:rPr lang="en-US" dirty="0" smtClean="0"/>
+              <a:t>UD1434</a:t>
+            </a:r>
+          </a:p>
+          <a:p>
+            <a:r>
+              <a:rPr lang="en-US" dirty="0" smtClean="0"/>
+              <a:t>Olivia Lau, </a:t>
+            </a:r>
+            <a:r>
+              <a:rPr lang="en-US" dirty="0" err="1" smtClean="0"/>
+              <a:t>Mattias</a:t>
+            </a:r>
+            <a:r>
+              <a:rPr lang="en-US" dirty="0"/>
+              <a:t> </a:t>
+            </a:r>
+            <a:r>
+              <a:rPr lang="en-US" dirty="0" err="1"/>
+              <a:t>Lunderot</a:t>
+            </a:r>
+            <a:r>
+              <a:rPr lang="en-US" dirty="0"/>
+              <a:t>, Magnus Quach, </a:t>
+            </a:r>
+            <a:r>
+              <a:rPr lang="en-US" dirty="0" smtClean="0"/>
+              <a:t/>
+            </a:r>
+            <a:br>
+              <a:rPr lang="en-US" dirty="0" smtClean="0"/>
+            </a:br>
+            <a:r>
+              <a:rPr lang="en-US" dirty="0" smtClean="0"/>
+              <a:t>Andreas Thomasson, Johan </a:t>
+            </a:r>
+            <a:r>
+              <a:rPr lang="en-US" dirty="0" err="1" smtClean="0"/>
+              <a:t>Törn</a:t>
+            </a:r>
+            <a:r>
+              <a:rPr lang="en-US" dirty="0" smtClean="0"/>
+              <a:t>, </a:t>
+            </a:r>
+            <a:r>
+              <a:rPr lang="en-US" dirty="0" err="1" smtClean="0"/>
+              <a:t>Nicklas</a:t>
+            </a:r>
+            <a:r>
+              <a:rPr lang="en-US" dirty="0" smtClean="0"/>
+              <a:t> </a:t>
+            </a:r>
+            <a:r>
+              <a:rPr lang="en-US" dirty="0" err="1" smtClean="0"/>
+              <a:t>Wallander</a:t>
             </a:r>
             <a:endParaRPr lang="en-US" dirty="0" smtClean="0"/>
           </a:p>
           <a:p>
             <a:r>
-              <a:rPr lang="en-US" dirty="0" err="1" smtClean="0"/>
-              <a:t>Namn</a:t>
-            </a:r>
-            <a:endParaRPr lang="en-US" dirty="0" smtClean="0"/>
-          </a:p>
-          <a:p>
-            <a:r>
-              <a:rPr lang="en-US" dirty="0" err="1" smtClean="0"/>
-              <a:t>Lärare</a:t>
+              <a:rPr lang="en-US" dirty="0" smtClean="0"/>
+              <a:t>Vi hade </a:t>
+            </a:r>
+            <a:r>
+              <a:rPr lang="en-US" dirty="0" err="1" smtClean="0"/>
+              <a:t>också</a:t>
+            </a:r>
+            <a:r>
+              <a:rPr lang="en-US" dirty="0" smtClean="0"/>
+              <a:t> </a:t>
+            </a:r>
+            <a:r>
+              <a:rPr lang="sv-SE" dirty="0" smtClean="0"/>
+              <a:t>några</a:t>
+            </a:r>
+            <a:r>
+              <a:rPr lang="en-US" dirty="0" smtClean="0"/>
+              <a:t> </a:t>
+            </a:r>
+            <a:r>
+              <a:rPr lang="en-US" dirty="0" err="1"/>
+              <a:t>l</a:t>
+            </a:r>
+            <a:r>
+              <a:rPr lang="en-US" dirty="0" err="1" smtClean="0"/>
+              <a:t>ärare</a:t>
             </a:r>
             <a:endParaRPr lang="en-US" dirty="0"/>
           </a:p>
@@ -3044,6 +3121,13 @@
   <p:clrMapOvr>
     <a:masterClrMapping/>
   </p:clrMapOvr>
+  <p:timing>
+    <p:tnLst>
+      <p:par>
+        <p:cTn id="1" dur="indefinite" restart="never" nodeType="tmRoot"/>
+      </p:par>
+    </p:tnLst>
+  </p:timing>
 </p:sld>
 </file>
 
@@ -3081,27 +3165,7 @@
           <a:p>
             <a:r>
               <a:rPr lang="en-US" dirty="0" err="1" smtClean="0"/>
-              <a:t>Effekter</a:t>
-            </a:r>
-            <a:r>
-              <a:rPr lang="en-US" dirty="0" smtClean="0"/>
-              <a:t> </a:t>
-            </a:r>
-            <a:r>
-              <a:rPr lang="en-US" dirty="0" err="1" smtClean="0"/>
-              <a:t>och</a:t>
-            </a:r>
-            <a:r>
-              <a:rPr lang="en-US" dirty="0" smtClean="0"/>
-              <a:t> </a:t>
-            </a:r>
-            <a:r>
-              <a:rPr lang="en-US" dirty="0" err="1" smtClean="0"/>
-              <a:t>ljud</a:t>
-            </a:r>
-            <a:r>
-              <a:rPr lang="en-US" dirty="0" smtClean="0"/>
-              <a:t>	</a:t>
+              <a:t>Banor</a:t>
             </a:r>
             <a:endParaRPr lang="en-US" dirty="0"/>
           </a:p>
@@ -3123,37 +3187,49 @@
           <a:lstStyle/>
           <a:p>
             <a:r>
-              <a:rPr lang="en-US" dirty="0" err="1" smtClean="0"/>
-              <a:t>Partiklar</a:t>
+              <a:rPr lang="en-US" dirty="0" smtClean="0"/>
+              <a:t>Levels</a:t>
+            </a:r>
+            <a:endParaRPr lang="en-US" dirty="0"/>
+          </a:p>
+          <a:p>
+            <a:r>
+              <a:rPr lang="en-US" dirty="0" smtClean="0"/>
+              <a:t>Generator</a:t>
+            </a:r>
+          </a:p>
+          <a:p>
+            <a:r>
+              <a:rPr lang="en-US" dirty="0" smtClean="0"/>
+              <a:t>Filer</a:t>
             </a:r>
             <a:endParaRPr lang="en-US" dirty="0" smtClean="0"/>
           </a:p>
           <a:p>
-            <a:pPr lvl="1"/>
-            <a:r>
-              <a:rPr lang="en-US" dirty="0" err="1" smtClean="0"/>
-              <a:t>Utvecklingen</a:t>
-            </a:r>
-            <a:endParaRPr lang="en-US" dirty="0" smtClean="0"/>
-          </a:p>
-          <a:p>
-            <a:pPr marL="0" indent="0">
-              <a:buNone/>
-            </a:pPr>
-            <a:endParaRPr lang="en-US" dirty="0"/>
+            <a:r>
+              <a:rPr lang="en-US" dirty="0" smtClean="0"/>
+              <a:t>Randomize</a:t>
+            </a:r>
           </a:p>
         </p:txBody>
       </p:sp>
     </p:spTree>
     <p:extLst>
       <p:ext uri="{BB962C8B-B14F-4D97-AF65-F5344CB8AC3E}">
-        <p14:creationId xmlns:p14="http://schemas.microsoft.com/office/powerpoint/2010/main" val="1592282873"/>
+        <p14:creationId xmlns:p14="http://schemas.microsoft.com/office/powerpoint/2010/main" val="4025584354"/>
       </p:ext>
     </p:extLst>
   </p:cSld>
   <p:clrMapOvr>
     <a:masterClrMapping/>
   </p:clrMapOvr>
+  <p:timing>
+    <p:tnLst>
+      <p:par>
+        <p:cTn id="1" dur="indefinite" restart="never" nodeType="tmRoot"/>
+      </p:par>
+    </p:tnLst>
+  </p:timing>
 </p:sld>
 </file>
 
@@ -3271,7 +3347,15 @@
             </a:r>
             <a:r>
               <a:rPr lang="en-US" dirty="0" smtClean="0"/>
-              <a:t> gang? </a:t>
+              <a:t> </a:t>
+            </a:r>
+            <a:r>
+              <a:rPr lang="en-US" dirty="0" err="1" smtClean="0"/>
+              <a:t>gång</a:t>
+            </a:r>
+            <a:r>
+              <a:rPr lang="en-US" dirty="0" smtClean="0"/>
+              <a:t>? </a:t>
             </a:r>
             <a:r>
               <a:rPr lang="en-US" dirty="0" err="1" smtClean="0"/>
@@ -3306,6 +3390,13 @@
   <p:clrMapOvr>
     <a:masterClrMapping/>
   </p:clrMapOvr>
+  <p:timing>
+    <p:tnLst>
+      <p:par>
+        <p:cTn id="1" dur="indefinite" restart="never" nodeType="tmRoot"/>
+      </p:par>
+    </p:tnLst>
+  </p:timing>
 </p:sld>
 </file>
 
@@ -3394,6 +3485,13 @@
   <p:clrMapOvr>
     <a:masterClrMapping/>
   </p:clrMapOvr>
+  <p:timing>
+    <p:tnLst>
+      <p:par>
+        <p:cTn id="1" dur="indefinite" restart="never" nodeType="tmRoot"/>
+      </p:par>
+    </p:tnLst>
+  </p:timing>
 </p:sld>
 </file>
 
@@ -3453,13 +3551,33 @@
           <a:lstStyle/>
           <a:p>
             <a:r>
-              <a:rPr lang="sv-SE" dirty="0"/>
-              <a:t>Inspirerat av ett shoot 'em up</a:t>
-            </a:r>
-          </a:p>
-          <a:p>
-            <a:r>
-              <a:rPr lang="en-US" dirty="0"/>
+              <a:rPr lang="en-US" dirty="0" err="1" smtClean="0"/>
+              <a:t>Spelaren</a:t>
+            </a:r>
+            <a:r>
+              <a:rPr lang="en-US" dirty="0" smtClean="0"/>
+              <a:t> </a:t>
+            </a:r>
+            <a:r>
+              <a:rPr lang="en-US" dirty="0" err="1" smtClean="0"/>
+              <a:t>kontrollerar</a:t>
+            </a:r>
+            <a:r>
+              <a:rPr lang="en-US" dirty="0" smtClean="0"/>
+              <a:t> </a:t>
+            </a:r>
+            <a:r>
+              <a:rPr lang="en-US" dirty="0" err="1" smtClean="0"/>
+              <a:t>en</a:t>
+            </a:r>
+            <a:r>
+              <a:rPr lang="en-US" dirty="0" smtClean="0"/>
+              <a:t> portal</a:t>
+            </a:r>
+          </a:p>
+          <a:p>
+            <a:r>
+              <a:rPr lang="en-US" dirty="0" smtClean="0"/>
               <a:t>Ta </a:t>
             </a:r>
             <a:r>
@@ -3494,53 +3612,34 @@
           <a:p>
             <a:r>
               <a:rPr lang="sv-SE" dirty="0"/>
-              <a:t>Local multiplayer – sammarbeta eller mot varandra</a:t>
-            </a:r>
-          </a:p>
-          <a:p>
+              <a:t>Local </a:t>
+            </a:r>
+            <a:r>
+              <a:rPr lang="sv-SE" dirty="0" smtClean="0"/>
+              <a:t>multiplayer</a:t>
+            </a:r>
+          </a:p>
+          <a:p>
+            <a:r>
+              <a:rPr lang="en-US" dirty="0" err="1" smtClean="0"/>
+              <a:t>Ett</a:t>
+            </a:r>
+            <a:r>
+              <a:rPr lang="en-US" dirty="0" smtClean="0"/>
+              <a:t> </a:t>
+            </a:r>
             <a:r>
               <a:rPr lang="en-US" dirty="0" err="1"/>
-              <a:t>Ett</a:t>
+              <a:t>oändligt</a:t>
             </a:r>
             <a:r>
               <a:rPr lang="en-US" dirty="0"/>
               <a:t> </a:t>
             </a:r>
             <a:r>
-              <a:rPr lang="en-US" dirty="0" err="1"/>
-              <a:t>oändligt</a:t>
-            </a:r>
-            <a:r>
-              <a:rPr lang="en-US" dirty="0"/>
-              <a:t> </a:t>
-            </a:r>
-            <a:r>
               <a:rPr lang="en-US" dirty="0" err="1" smtClean="0"/>
               <a:t>spel</a:t>
             </a:r>
-            <a:r>
-              <a:rPr lang="en-US" dirty="0" smtClean="0"/>
-              <a:t> (</a:t>
-            </a:r>
-            <a:r>
-              <a:rPr lang="en-US" dirty="0" err="1" smtClean="0"/>
-              <a:t>vinst</a:t>
-            </a:r>
-            <a:r>
-              <a:rPr lang="en-US" dirty="0" smtClean="0"/>
-              <a:t>/</a:t>
-            </a:r>
-            <a:r>
-              <a:rPr lang="en-US" dirty="0" err="1" smtClean="0"/>
-              <a:t>förlust</a:t>
-            </a:r>
-            <a:r>
-              <a:rPr lang="en-US" dirty="0" smtClean="0"/>
-              <a:t>)</a:t>
-            </a:r>
-            <a:endParaRPr lang="en-US" dirty="0"/>
-          </a:p>
-          <a:p>
             <a:endParaRPr lang="en-US" dirty="0"/>
           </a:p>
         </p:txBody>
@@ -3555,6 +3654,13 @@
   <p:clrMapOvr>
     <a:masterClrMapping/>
   </p:clrMapOvr>
+  <p:timing>
+    <p:tnLst>
+      <p:par>
+        <p:cTn id="1" dur="indefinite" restart="never" nodeType="tmRoot"/>
+      </p:par>
+    </p:tnLst>
+  </p:timing>
 </p:sld>
 </file>
 
@@ -3613,6 +3719,14 @@
           <a:bodyPr/>
           <a:lstStyle/>
           <a:p>
+            <a:r>
+              <a:rPr lang="en-US" dirty="0" smtClean="0"/>
+              <a:t>This is </a:t>
+            </a:r>
+            <a:r>
+              <a:rPr lang="en-US" dirty="0" err="1" smtClean="0"/>
+              <a:t>bideo</a:t>
+            </a:r>
             <a:endParaRPr lang="en-US" dirty="0"/>
           </a:p>
         </p:txBody>
@@ -3627,6 +3741,13 @@
   <p:clrMapOvr>
     <a:masterClrMapping/>
   </p:clrMapOvr>
+  <p:timing>
+    <p:tnLst>
+      <p:par>
+        <p:cTn id="1" dur="indefinite" restart="never" nodeType="tmRoot"/>
+      </p:par>
+    </p:tnLst>
+  </p:timing>
 </p:sld>
 </file>
 
@@ -3683,36 +3804,137 @@
         <p:spPr/>
         <p:txBody>
           <a:bodyPr>
-            <a:normAutofit fontScale="85000" lnSpcReduction="20000"/>
+            <a:normAutofit fontScale="77500" lnSpcReduction="20000"/>
           </a:bodyPr>
           <a:lstStyle/>
           <a:p>
             <a:r>
               <a:rPr lang="en-US" dirty="0" err="1" smtClean="0"/>
-              <a:t>Kristaller</a:t>
-            </a:r>
-            <a:r>
-              <a:rPr lang="en-US" dirty="0" smtClean="0"/>
-              <a:t> I </a:t>
-            </a:r>
-            <a:r>
-              <a:rPr lang="en-US" dirty="0" err="1" smtClean="0"/>
+              <a:t>Byta</a:t>
+            </a:r>
+            <a:r>
+              <a:rPr lang="en-US" dirty="0" smtClean="0"/>
+              <a:t> </a:t>
+            </a:r>
+            <a:r>
+              <a:rPr lang="en-US" dirty="0" err="1" smtClean="0"/>
+              <a:t>färg</a:t>
+            </a:r>
+            <a:r>
+              <a:rPr lang="en-US" dirty="0" smtClean="0"/>
+              <a:t> </a:t>
+            </a:r>
+            <a:r>
+              <a:rPr lang="en-US" dirty="0" err="1" smtClean="0"/>
+              <a:t>på</a:t>
+            </a:r>
+            <a:r>
+              <a:rPr lang="en-US" dirty="0" smtClean="0"/>
+              <a:t> </a:t>
+            </a:r>
+            <a:r>
+              <a:rPr lang="en-US" dirty="0" err="1" smtClean="0"/>
+              <a:t>portalen</a:t>
+            </a:r>
+            <a:endParaRPr lang="en-US" dirty="0" smtClean="0"/>
+          </a:p>
+          <a:p>
+            <a:r>
+              <a:rPr lang="en-US" dirty="0" err="1"/>
+              <a:t>Plocka</a:t>
+            </a:r>
+            <a:r>
+              <a:rPr lang="en-US" dirty="0"/>
+              <a:t> </a:t>
+            </a:r>
+            <a:r>
+              <a:rPr lang="en-US" dirty="0" err="1"/>
+              <a:t>kristaller</a:t>
+            </a:r>
+            <a:r>
+              <a:rPr lang="en-US" dirty="0"/>
+              <a:t> </a:t>
+            </a:r>
+            <a:r>
+              <a:rPr lang="en-US" dirty="0" err="1"/>
+              <a:t>i</a:t>
+            </a:r>
+            <a:r>
+              <a:rPr lang="en-US" dirty="0"/>
+              <a:t> </a:t>
+            </a:r>
+            <a:r>
+              <a:rPr lang="en-US" dirty="0" err="1"/>
               <a:t>motsvarande</a:t>
             </a:r>
             <a:r>
-              <a:rPr lang="en-US" dirty="0" smtClean="0"/>
+              <a:rPr lang="en-US" dirty="0"/>
               <a:t> </a:t>
             </a:r>
             <a:r>
-              <a:rPr lang="en-US" dirty="0" err="1" smtClean="0"/>
+              <a:rPr lang="en-US" dirty="0" err="1"/>
               <a:t>färg</a:t>
             </a:r>
+            <a:endParaRPr lang="en-US" dirty="0"/>
+          </a:p>
+          <a:p>
+            <a:r>
+              <a:rPr lang="en-US" dirty="0" err="1" smtClean="0"/>
+              <a:t>Förlora</a:t>
+            </a:r>
+            <a:r>
+              <a:rPr lang="en-US" dirty="0" smtClean="0"/>
+              <a:t>/</a:t>
+            </a:r>
+            <a:r>
+              <a:rPr lang="en-US" dirty="0" err="1" smtClean="0"/>
+              <a:t>få</a:t>
+            </a:r>
+            <a:r>
+              <a:rPr lang="en-US" dirty="0" smtClean="0"/>
+              <a:t> </a:t>
+            </a:r>
+            <a:r>
+              <a:rPr lang="en-US" dirty="0" err="1" smtClean="0"/>
+              <a:t>bränsle</a:t>
+            </a:r>
             <a:endParaRPr lang="en-US" dirty="0" smtClean="0"/>
           </a:p>
           <a:p>
-            <a:r>
-              <a:rPr lang="en-US" dirty="0" err="1" smtClean="0"/>
-              <a:t>Byta</a:t>
+            <a:pPr lvl="1"/>
+            <a:r>
+              <a:rPr lang="en-US" dirty="0" smtClean="0"/>
+              <a:t>Asteroid</a:t>
+            </a:r>
+            <a:r>
+              <a:rPr lang="en-US" dirty="0" smtClean="0"/>
+              <a:t>, </a:t>
+            </a:r>
+            <a:r>
+              <a:rPr lang="en-US" dirty="0" err="1" smtClean="0"/>
+              <a:t>kristall</a:t>
+            </a:r>
+            <a:r>
+              <a:rPr lang="en-US" dirty="0" smtClean="0"/>
+              <a:t>, med </a:t>
+            </a:r>
+            <a:r>
+              <a:rPr lang="en-US" dirty="0" err="1" smtClean="0"/>
+              <a:t>tiden</a:t>
+            </a:r>
+            <a:endParaRPr lang="en-US" dirty="0" smtClean="0"/>
+          </a:p>
+          <a:p>
+            <a:r>
+              <a:rPr lang="en-US" dirty="0" err="1" smtClean="0"/>
+              <a:t>Kontroller</a:t>
+            </a:r>
+            <a:endParaRPr lang="en-US" dirty="0" smtClean="0"/>
+          </a:p>
+          <a:p>
+            <a:r>
+              <a:rPr lang="en-US" dirty="0" err="1" smtClean="0"/>
+              <a:t>Kan</a:t>
             </a:r>
             <a:r>
               <a:rPr lang="en-US" dirty="0" smtClean="0"/>
@@ -3720,7 +3942,7 @@
             </a:r>
             <a:r>
               <a:rPr lang="en-US" dirty="0" err="1" smtClean="0"/>
-              <a:t>färg</a:t>
+              <a:t>inte</a:t>
             </a:r>
             <a:r>
               <a:rPr lang="en-US" dirty="0" smtClean="0"/>
@@ -3728,7 +3950,7 @@
             </a:r>
             <a:r>
               <a:rPr lang="en-US" dirty="0" err="1" smtClean="0"/>
-              <a:t>på</a:t>
+              <a:t>åka</a:t>
             </a:r>
             <a:r>
               <a:rPr lang="en-US" dirty="0" smtClean="0"/>
@@ -3736,22 +3958,56 @@
             </a:r>
             <a:r>
               <a:rPr lang="en-US" dirty="0" err="1" smtClean="0"/>
-              <a:t>spelaren</a:t>
+              <a:t>utanför</a:t>
+            </a:r>
+            <a:r>
+              <a:rPr lang="en-US" dirty="0" smtClean="0"/>
+              <a:t> </a:t>
+            </a:r>
+            <a:r>
+              <a:rPr lang="en-US" dirty="0" err="1" smtClean="0"/>
+              <a:t>skärmen</a:t>
             </a:r>
             <a:endParaRPr lang="en-US" dirty="0" smtClean="0"/>
           </a:p>
           <a:p>
             <a:r>
-              <a:rPr lang="en-US" dirty="0" err="1" smtClean="0"/>
-              <a:t>Förlora</a:t>
-            </a:r>
-            <a:r>
-              <a:rPr lang="en-US" dirty="0" smtClean="0"/>
-              <a:t>/</a:t>
-            </a:r>
-            <a:r>
-              <a:rPr lang="en-US" dirty="0" err="1" smtClean="0"/>
-              <a:t>få</a:t>
+              <a:rPr lang="en-US" dirty="0" smtClean="0"/>
+              <a:t>Power-ups</a:t>
+            </a:r>
+          </a:p>
+          <a:p>
+            <a:pPr lvl="1"/>
+            <a:r>
+              <a:rPr lang="en-US" dirty="0" smtClean="0"/>
+              <a:t>Crystal frenzy</a:t>
+            </a:r>
+          </a:p>
+          <a:p>
+            <a:pPr lvl="1"/>
+            <a:r>
+              <a:rPr lang="en-US" dirty="0" smtClean="0"/>
+              <a:t>Immortal portal</a:t>
+            </a:r>
+          </a:p>
+          <a:p>
+            <a:pPr lvl="1"/>
+            <a:r>
+              <a:rPr lang="en-US" dirty="0" smtClean="0"/>
+              <a:t>Reverse</a:t>
+            </a:r>
+          </a:p>
+          <a:p>
+            <a:pPr lvl="1"/>
+            <a:r>
+              <a:rPr lang="en-US" dirty="0" smtClean="0"/>
+              <a:t>Slow</a:t>
+            </a:r>
+          </a:p>
+          <a:p>
+            <a:r>
+              <a:rPr lang="en-US" dirty="0" err="1" smtClean="0"/>
+              <a:t>Går</a:t>
             </a:r>
             <a:r>
               <a:rPr lang="en-US" dirty="0" smtClean="0"/>
@@ -3759,40 +4015,22 @@
             </a:r>
             <a:r>
               <a:rPr lang="en-US" dirty="0" err="1" smtClean="0"/>
-              <a:t>bränsle</a:t>
-            </a:r>
-            <a:r>
-              <a:rPr lang="en-US" dirty="0" smtClean="0"/>
-              <a:t> (asteroid, </a:t>
-            </a:r>
-            <a:r>
-              <a:rPr lang="en-US" dirty="0" err="1" smtClean="0"/>
-              <a:t>kristall</a:t>
-            </a:r>
-            <a:r>
-              <a:rPr lang="en-US" dirty="0" smtClean="0"/>
-              <a:t>, med </a:t>
+              <a:t>snabbare</a:t>
+            </a:r>
+            <a:r>
+              <a:rPr lang="en-US" dirty="0" smtClean="0"/>
+              <a:t> med </a:t>
             </a:r>
             <a:r>
               <a:rPr lang="en-US" dirty="0" err="1" smtClean="0"/>
               <a:t>tiden</a:t>
             </a:r>
-            <a:r>
-              <a:rPr lang="en-US" dirty="0" smtClean="0"/>
-              <a:t>)</a:t>
-            </a:r>
-          </a:p>
-          <a:p>
-            <a:r>
-              <a:rPr lang="en-US" dirty="0" err="1" smtClean="0"/>
-              <a:t>Kontroller</a:t>
-            </a:r>
             <a:endParaRPr lang="en-US" dirty="0" smtClean="0"/>
           </a:p>
           <a:p>
             <a:r>
               <a:rPr lang="en-US" dirty="0" err="1" smtClean="0"/>
-              <a:t>Kan</a:t>
+              <a:t>Högst</a:t>
             </a:r>
             <a:r>
               <a:rPr lang="en-US" dirty="0" smtClean="0"/>
@@ -3800,7 +4038,7 @@
             </a:r>
             <a:r>
               <a:rPr lang="en-US" dirty="0" err="1" smtClean="0"/>
-              <a:t>inte</a:t>
+              <a:t>poäng</a:t>
             </a:r>
             <a:r>
               <a:rPr lang="en-US" dirty="0" smtClean="0"/>
@@ -3808,100 +4046,9 @@
             </a:r>
             <a:r>
               <a:rPr lang="en-US" dirty="0" err="1" smtClean="0"/>
-              <a:t>åka</a:t>
-            </a:r>
-            <a:r>
-              <a:rPr lang="en-US" dirty="0" smtClean="0"/>
-              <a:t> </a:t>
-            </a:r>
-            <a:r>
-              <a:rPr lang="en-US" dirty="0" err="1" smtClean="0"/>
-              <a:t>utanför</a:t>
-            </a:r>
-            <a:r>
-              <a:rPr lang="en-US" dirty="0" smtClean="0"/>
-              <a:t> </a:t>
-            </a:r>
-            <a:r>
-              <a:rPr lang="en-US" dirty="0" err="1" smtClean="0"/>
-              <a:t>skärmen</a:t>
+              <a:t>vinner</a:t>
             </a:r>
             <a:endParaRPr lang="en-US" dirty="0" smtClean="0"/>
-          </a:p>
-          <a:p>
-            <a:r>
-              <a:rPr lang="en-US" dirty="0" smtClean="0"/>
-              <a:t>Power-ups</a:t>
-            </a:r>
-          </a:p>
-          <a:p>
-            <a:pPr lvl="1"/>
-            <a:r>
-              <a:rPr lang="en-US" dirty="0" smtClean="0"/>
-              <a:t>Crystal frenzy</a:t>
-            </a:r>
-          </a:p>
-          <a:p>
-            <a:pPr lvl="1"/>
-            <a:r>
-              <a:rPr lang="en-US" dirty="0" smtClean="0"/>
-              <a:t>Immortal portal</a:t>
-            </a:r>
-          </a:p>
-          <a:p>
-            <a:pPr lvl="1"/>
-            <a:r>
-              <a:rPr lang="en-US" dirty="0" smtClean="0"/>
-              <a:t>Reverse</a:t>
-            </a:r>
-          </a:p>
-          <a:p>
-            <a:pPr lvl="1"/>
-            <a:r>
-              <a:rPr lang="en-US" dirty="0" smtClean="0"/>
-              <a:t>Slow</a:t>
-            </a:r>
-          </a:p>
-          <a:p>
-            <a:r>
-              <a:rPr lang="en-US" dirty="0" err="1" smtClean="0"/>
-              <a:t>Går</a:t>
-            </a:r>
-            <a:r>
-              <a:rPr lang="en-US" dirty="0" smtClean="0"/>
-              <a:t> </a:t>
-            </a:r>
-            <a:r>
-              <a:rPr lang="en-US" dirty="0" err="1" smtClean="0"/>
-              <a:t>snabbare</a:t>
-            </a:r>
-            <a:r>
-              <a:rPr lang="en-US" dirty="0" smtClean="0"/>
-              <a:t> med </a:t>
-            </a:r>
-            <a:r>
-              <a:rPr lang="en-US" dirty="0" err="1" smtClean="0"/>
-              <a:t>tiden</a:t>
-            </a:r>
-            <a:endParaRPr lang="en-US" dirty="0" smtClean="0"/>
-          </a:p>
-          <a:p>
-            <a:r>
-              <a:rPr lang="en-US" dirty="0" err="1" smtClean="0"/>
-              <a:t>Hur</a:t>
-            </a:r>
-            <a:r>
-              <a:rPr lang="en-US" dirty="0" smtClean="0"/>
-              <a:t> man </a:t>
-            </a:r>
-            <a:r>
-              <a:rPr lang="en-US" dirty="0" err="1" smtClean="0"/>
-              <a:t>vinner</a:t>
-            </a:r>
-            <a:r>
-              <a:rPr lang="en-US" dirty="0" smtClean="0"/>
-              <a:t>?</a:t>
-            </a:r>
           </a:p>
         </p:txBody>
       </p:sp>
@@ -3915,6 +4062,13 @@
   <p:clrMapOvr>
     <a:masterClrMapping/>
   </p:clrMapOvr>
+  <p:timing>
+    <p:tnLst>
+      <p:par>
+        <p:cTn id="1" dur="indefinite" restart="never" nodeType="tmRoot"/>
+      </p:par>
+    </p:tnLst>
+  </p:timing>
 </p:sld>
 </file>
 
@@ -4042,6 +4196,13 @@
   <p:clrMapOvr>
     <a:masterClrMapping/>
   </p:clrMapOvr>
+  <p:timing>
+    <p:tnLst>
+      <p:par>
+        <p:cTn id="1" dur="indefinite" restart="never" nodeType="tmRoot"/>
+      </p:par>
+    </p:tnLst>
+  </p:timing>
 </p:sld>
 </file>
 
@@ -4097,8 +4258,17 @@
         </p:nvSpPr>
         <p:spPr/>
         <p:txBody>
-          <a:bodyPr/>
-          <a:lstStyle/>
+          <a:bodyPr>
+            <a:normAutofit lnSpcReduction="10000"/>
+          </a:bodyPr>
+          <a:lstStyle/>
+          <a:p>
+            <a:r>
+              <a:rPr lang="en-US" dirty="0" err="1" smtClean="0"/>
+              <a:t>Mål</a:t>
+            </a:r>
+            <a:endParaRPr lang="en-US" dirty="0" smtClean="0"/>
+          </a:p>
           <a:p>
             <a:r>
               <a:rPr lang="en-US" dirty="0" err="1" smtClean="0"/>
@@ -4108,6 +4278,7 @@
               <a:rPr lang="en-US" dirty="0" smtClean="0"/>
               <a:t> </a:t>
             </a:r>
+            <a:endParaRPr lang="en-US" dirty="0" smtClean="0"/>
           </a:p>
           <a:p>
             <a:pPr lvl="1"/>
@@ -4177,14 +4348,6 @@
             </a:r>
           </a:p>
           <a:p>
-            <a:r>
-              <a:rPr lang="en-US" dirty="0" err="1" smtClean="0"/>
-              <a:t>Mål</a:t>
-            </a:r>
-            <a:r>
-              <a:rPr lang="en-US" dirty="0" smtClean="0"/>
-              <a:t>/</a:t>
-            </a:r>
             <a:r>
               <a:rPr lang="en-US" dirty="0" err="1" smtClean="0"/>
               <a:t>Resultat</a:t>
@@ -4203,6 +4366,13 @@
   <p:clrMapOvr>
     <a:masterClrMapping/>
   </p:clrMapOvr>
+  <p:timing>
+    <p:tnLst>
+      <p:par>
+        <p:cTn id="1" dur="indefinite" restart="never" nodeType="tmRoot"/>
+      </p:par>
+    </p:tnLst>
+  </p:timing>
 </p:sld>
 </file>
 
@@ -4240,7 +4410,27 @@
           <a:p>
             <a:r>
               <a:rPr lang="en-US" dirty="0" err="1" smtClean="0"/>
-              <a:t>Kod</a:t>
+              <a:t>Effekter</a:t>
+            </a:r>
+            <a:r>
+              <a:rPr lang="en-US" dirty="0" smtClean="0"/>
+              <a:t> </a:t>
+            </a:r>
+            <a:r>
+              <a:rPr lang="en-US" dirty="0" err="1" smtClean="0"/>
+              <a:t>och</a:t>
+            </a:r>
+            <a:r>
+              <a:rPr lang="en-US" dirty="0" smtClean="0"/>
+              <a:t> </a:t>
+            </a:r>
+            <a:r>
+              <a:rPr lang="en-US" dirty="0" err="1" smtClean="0"/>
+              <a:t>ljud</a:t>
+            </a:r>
+            <a:r>
+              <a:rPr lang="en-US" dirty="0" smtClean="0"/>
+              <a:t>	</a:t>
             </a:r>
             <a:endParaRPr lang="en-US" dirty="0"/>
           </a:p>
@@ -4263,34 +4453,22 @@
           <a:p>
             <a:r>
               <a:rPr lang="en-US" dirty="0" err="1" smtClean="0"/>
-              <a:t>Struktur</a:t>
+              <a:t>Partiklar</a:t>
             </a:r>
             <a:endParaRPr lang="en-US" dirty="0" smtClean="0"/>
           </a:p>
           <a:p>
-            <a:r>
-              <a:rPr lang="en-US" dirty="0" smtClean="0"/>
-              <a:t>Entity handler</a:t>
-            </a:r>
-          </a:p>
-          <a:p>
-            <a:r>
-              <a:rPr lang="en-US" dirty="0" smtClean="0"/>
-              <a:t>Shading-system</a:t>
-            </a:r>
-          </a:p>
-          <a:p>
-            <a:r>
-              <a:rPr lang="en-US" dirty="0" err="1" smtClean="0"/>
-              <a:t>Kollision</a:t>
+            <a:pPr lvl="1"/>
+            <a:r>
+              <a:rPr lang="en-US" dirty="0" err="1" smtClean="0"/>
+              <a:t>Utvecklingen</a:t>
             </a:r>
             <a:endParaRPr lang="en-US" dirty="0" smtClean="0"/>
           </a:p>
           <a:p>
-            <a:r>
-              <a:rPr lang="en-US" dirty="0" smtClean="0"/>
-              <a:t>NURBS</a:t>
-            </a:r>
+            <a:pPr marL="0" indent="0">
+              <a:buNone/>
+            </a:pPr>
             <a:endParaRPr lang="en-US" dirty="0"/>
           </a:p>
         </p:txBody>
@@ -4298,13 +4476,20 @@
     </p:spTree>
     <p:extLst>
       <p:ext uri="{BB962C8B-B14F-4D97-AF65-F5344CB8AC3E}">
-        <p14:creationId xmlns:p14="http://schemas.microsoft.com/office/powerpoint/2010/main" val="1154009609"/>
+        <p14:creationId xmlns:p14="http://schemas.microsoft.com/office/powerpoint/2010/main" val="1592282873"/>
       </p:ext>
     </p:extLst>
   </p:cSld>
   <p:clrMapOvr>
     <a:masterClrMapping/>
   </p:clrMapOvr>
+  <p:timing>
+    <p:tnLst>
+      <p:par>
+        <p:cTn id="1" dur="indefinite" restart="never" nodeType="tmRoot"/>
+      </p:par>
+    </p:tnLst>
+  </p:timing>
 </p:sld>
 </file>
 
@@ -4342,7 +4527,7 @@
           <a:p>
             <a:r>
               <a:rPr lang="en-US" dirty="0" err="1" smtClean="0"/>
-              <a:t>Banor</a:t>
+              <a:t>Kod</a:t>
             </a:r>
             <a:endParaRPr lang="en-US" dirty="0"/>
           </a:p>
@@ -4364,41 +4549,56 @@
           <a:lstStyle/>
           <a:p>
             <a:r>
-              <a:rPr lang="en-US" dirty="0" smtClean="0"/>
-              <a:t>Levels</a:t>
+              <a:rPr lang="en-US" dirty="0" err="1" smtClean="0"/>
+              <a:t>Struktur</a:t>
+            </a:r>
+            <a:endParaRPr lang="en-US" dirty="0" smtClean="0"/>
+          </a:p>
+          <a:p>
+            <a:r>
+              <a:rPr lang="en-US" dirty="0" smtClean="0"/>
+              <a:t>Entity handler</a:t>
+            </a:r>
+          </a:p>
+          <a:p>
+            <a:r>
+              <a:rPr lang="en-US" dirty="0" smtClean="0"/>
+              <a:t>Shading-system</a:t>
+            </a:r>
+          </a:p>
+          <a:p>
+            <a:r>
+              <a:rPr lang="en-US" dirty="0" err="1" smtClean="0"/>
+              <a:t>Kollision</a:t>
+            </a:r>
+            <a:endParaRPr lang="en-US" dirty="0" smtClean="0"/>
+          </a:p>
+          <a:p>
+            <a:r>
+              <a:rPr lang="en-US" dirty="0" smtClean="0"/>
+              <a:t>NURBs</a:t>
             </a:r>
             <a:endParaRPr lang="en-US" dirty="0"/>
-          </a:p>
-          <a:p>
-            <a:r>
-              <a:rPr lang="en-US" dirty="0" smtClean="0"/>
-              <a:t>Generator</a:t>
-            </a:r>
-          </a:p>
-          <a:p>
-            <a:r>
-              <a:rPr lang="en-US" dirty="0" smtClean="0"/>
-              <a:t>Filer</a:t>
-            </a:r>
-          </a:p>
-          <a:p>
-            <a:r>
-              <a:rPr lang="en-US" dirty="0" smtClean="0"/>
-              <a:t>Randomize</a:t>
-            </a:r>
           </a:p>
         </p:txBody>
       </p:sp>
     </p:spTree>
     <p:extLst>
       <p:ext uri="{BB962C8B-B14F-4D97-AF65-F5344CB8AC3E}">
-        <p14:creationId xmlns:p14="http://schemas.microsoft.com/office/powerpoint/2010/main" val="4025584354"/>
+        <p14:creationId xmlns:p14="http://schemas.microsoft.com/office/powerpoint/2010/main" val="1154009609"/>
       </p:ext>
     </p:extLst>
   </p:cSld>
   <p:clrMapOvr>
     <a:masterClrMapping/>
   </p:clrMapOvr>
+  <p:timing>
+    <p:tnLst>
+      <p:par>
+        <p:cTn id="1" dur="indefinite" restart="never" nodeType="tmRoot"/>
+      </p:par>
+    </p:tnLst>
+  </p:timing>
 </p:sld>
 </file>
 
